--- a/ppt/06-10.pptx
+++ b/ppt/06-10.pptx
@@ -3208,7 +3208,7 @@
         <p:spPr>
           <a:xfrm>
             <a:off x="299803" y="217357"/>
-            <a:ext cx="1872629" cy="369332"/>
+            <a:ext cx="1821332" cy="369332"/>
           </a:xfrm>
           <a:prstGeom prst="rect">
             <a:avLst/>
@@ -3223,7 +3223,7 @@
           <a:p>
             <a:r>
               <a:rPr lang="en-US" altLang="ko-KR" dirty="0"/>
-              <a:t>UI-SJN-30-007L</a:t>
+              <a:t>UI-SJN-30-006L</a:t>
             </a:r>
             <a:endParaRPr lang="ko-KR" altLang="en-US" dirty="0"/>
           </a:p>
